--- a/Presentation.pptx
+++ b/Presentation.pptx
@@ -5,7 +5,7 @@
     <p:sldMasterId id="2147483648" r:id="rId1"/>
   </p:sldMasterIdLst>
   <p:notesMasterIdLst>
-    <p:notesMasterId r:id="rId8"/>
+    <p:notesMasterId r:id="rId9"/>
   </p:notesMasterIdLst>
   <p:sldIdLst>
     <p:sldId id="256" r:id="rId2"/>
@@ -13,7 +13,8 @@
     <p:sldId id="261" r:id="rId4"/>
     <p:sldId id="258" r:id="rId5"/>
     <p:sldId id="259" r:id="rId6"/>
-    <p:sldId id="260" r:id="rId7"/>
+    <p:sldId id="262" r:id="rId7"/>
+    <p:sldId id="260" r:id="rId8"/>
   </p:sldIdLst>
   <p:sldSz cx="12192000" cy="6858000"/>
   <p:notesSz cx="6858000" cy="9144000"/>
@@ -6587,6 +6588,676 @@
 </file>
 
 <file path=ppt/slides/slide6.xml><?xml version="1.0" encoding="utf-8"?>
+<p:sld xmlns:a="http://schemas.openxmlformats.org/drawingml/2006/main" xmlns:r="http://schemas.openxmlformats.org/officeDocument/2006/relationships" xmlns:p="http://schemas.openxmlformats.org/presentationml/2006/main">
+  <p:cSld>
+    <p:bg>
+      <p:bgPr>
+        <a:solidFill>
+          <a:schemeClr val="bg1"/>
+        </a:solidFill>
+        <a:effectLst/>
+      </p:bgPr>
+    </p:bg>
+    <p:spTree>
+      <p:nvGrpSpPr>
+        <p:cNvPr id="1" name=""/>
+        <p:cNvGrpSpPr/>
+        <p:nvPr/>
+      </p:nvGrpSpPr>
+      <p:grpSpPr>
+        <a:xfrm>
+          <a:off x="0" y="0"/>
+          <a:ext cx="0" cy="0"/>
+          <a:chOff x="0" y="0"/>
+          <a:chExt cx="0" cy="0"/>
+        </a:xfrm>
+      </p:grpSpPr>
+      <p:sp useBgFill="1">
+        <p:nvSpPr>
+          <p:cNvPr id="9" name="Rectangle 8">
+            <a:extLst>
+              <a:ext uri="{FF2B5EF4-FFF2-40B4-BE49-F238E27FC236}">
+                <a16:creationId xmlns:a16="http://schemas.microsoft.com/office/drawing/2014/main" id="{2C61293E-6EBE-43EF-A52C-9BEBFD7679D4}"/>
+              </a:ext>
+              <a:ext uri="{C183D7F6-B498-43B3-948B-1728B52AA6E4}">
+                <adec:decorative xmlns:adec="http://schemas.microsoft.com/office/drawing/2017/decorative" val="1"/>
+              </a:ext>
+            </a:extLst>
+          </p:cNvPr>
+          <p:cNvSpPr>
+            <a:spLocks noGrp="1" noRot="1" noChangeAspect="1" noMove="1" noResize="1" noEditPoints="1" noAdjustHandles="1" noChangeArrowheads="1" noChangeShapeType="1" noTextEdit="1"/>
+          </p:cNvSpPr>
+          <p:nvPr>
+            <p:extLst>
+              <p:ext uri="{386F3935-93C4-4BCD-93E2-E3B085C9AB24}">
+                <p16:designElem xmlns:p16="http://schemas.microsoft.com/office/powerpoint/2015/main" val="1"/>
+              </p:ext>
+            </p:extLst>
+          </p:nvPr>
+        </p:nvSpPr>
+        <p:spPr>
+          <a:xfrm>
+            <a:off x="0" y="0"/>
+            <a:ext cx="12188952" cy="6858000"/>
+          </a:xfrm>
+          <a:prstGeom prst="rect">
+            <a:avLst/>
+          </a:prstGeom>
+          <a:ln>
+            <a:noFill/>
+          </a:ln>
+        </p:spPr>
+        <p:style>
+          <a:lnRef idx="2">
+            <a:schemeClr val="accent1">
+              <a:shade val="50000"/>
+            </a:schemeClr>
+          </a:lnRef>
+          <a:fillRef idx="1">
+            <a:schemeClr val="accent1"/>
+          </a:fillRef>
+          <a:effectRef idx="0">
+            <a:schemeClr val="accent1"/>
+          </a:effectRef>
+          <a:fontRef idx="minor">
+            <a:schemeClr val="lt1"/>
+          </a:fontRef>
+        </p:style>
+        <p:txBody>
+          <a:bodyPr rtlCol="0" anchor="ctr"/>
+          <a:lstStyle/>
+          <a:p>
+            <a:pPr algn="ctr"/>
+            <a:endParaRPr lang="en-US"/>
+          </a:p>
+        </p:txBody>
+      </p:sp>
+      <p:sp>
+        <p:nvSpPr>
+          <p:cNvPr id="2" name="Title 1">
+            <a:extLst>
+              <a:ext uri="{FF2B5EF4-FFF2-40B4-BE49-F238E27FC236}">
+                <a16:creationId xmlns:a16="http://schemas.microsoft.com/office/drawing/2014/main" id="{58FA5357-8170-9CF8-EB0A-A5A84186613D}"/>
+              </a:ext>
+            </a:extLst>
+          </p:cNvPr>
+          <p:cNvSpPr>
+            <a:spLocks noGrp="1"/>
+          </p:cNvSpPr>
+          <p:nvPr>
+            <p:ph type="title"/>
+          </p:nvPr>
+        </p:nvSpPr>
+        <p:spPr>
+          <a:xfrm>
+            <a:off x="5297762" y="329184"/>
+            <a:ext cx="6251110" cy="1783080"/>
+          </a:xfrm>
+        </p:spPr>
+        <p:txBody>
+          <a:bodyPr anchor="b">
+            <a:normAutofit/>
+          </a:bodyPr>
+          <a:lstStyle/>
+          <a:p>
+            <a:r>
+              <a:rPr lang="en-IL" sz="5400" dirty="0"/>
+              <a:t>Technologies</a:t>
+            </a:r>
+          </a:p>
+        </p:txBody>
+      </p:sp>
+      <p:pic>
+        <p:nvPicPr>
+          <p:cNvPr id="5" name="Picture 4" descr="Illuminated server room panel">
+            <a:extLst>
+              <a:ext uri="{FF2B5EF4-FFF2-40B4-BE49-F238E27FC236}">
+                <a16:creationId xmlns:a16="http://schemas.microsoft.com/office/drawing/2014/main" id="{2D971F0A-8F90-2737-1BB6-DD7D60C26AA0}"/>
+              </a:ext>
+            </a:extLst>
+          </p:cNvPr>
+          <p:cNvPicPr>
+            <a:picLocks noChangeAspect="1"/>
+          </p:cNvPicPr>
+          <p:nvPr/>
+        </p:nvPicPr>
+        <p:blipFill rotWithShape="1">
+          <a:blip r:embed="rId2"/>
+          <a:srcRect l="23969" r="30700" b="-1"/>
+          <a:stretch/>
+        </p:blipFill>
+        <p:spPr>
+          <a:xfrm>
+            <a:off x="1" y="10"/>
+            <a:ext cx="4657344" cy="6857990"/>
+          </a:xfrm>
+          <a:custGeom>
+            <a:avLst/>
+            <a:gdLst/>
+            <a:ahLst/>
+            <a:cxnLst/>
+            <a:rect l="l" t="t" r="r" b="b"/>
+            <a:pathLst>
+              <a:path w="4657344" h="6858000">
+                <a:moveTo>
+                  <a:pt x="0" y="0"/>
+                </a:moveTo>
+                <a:lnTo>
+                  <a:pt x="3429755" y="0"/>
+                </a:lnTo>
+                <a:lnTo>
+                  <a:pt x="3526016" y="148742"/>
+                </a:lnTo>
+                <a:cubicBezTo>
+                  <a:pt x="3657740" y="365513"/>
+                  <a:pt x="3777402" y="589569"/>
+                  <a:pt x="3886489" y="819975"/>
+                </a:cubicBezTo>
+                <a:cubicBezTo>
+                  <a:pt x="3891856" y="833492"/>
+                  <a:pt x="3900663" y="845393"/>
+                  <a:pt x="3912049" y="854514"/>
+                </a:cubicBezTo>
+                <a:cubicBezTo>
+                  <a:pt x="3897352" y="819849"/>
+                  <a:pt x="3883037" y="784928"/>
+                  <a:pt x="3868083" y="750263"/>
+                </a:cubicBezTo>
+                <a:cubicBezTo>
+                  <a:pt x="3806989" y="608712"/>
+                  <a:pt x="3742478" y="469145"/>
+                  <a:pt x="3674155" y="331786"/>
+                </a:cubicBezTo>
+                <a:lnTo>
+                  <a:pt x="3496656" y="0"/>
+                </a:lnTo>
+                <a:lnTo>
+                  <a:pt x="3554371" y="0"/>
+                </a:lnTo>
+                <a:lnTo>
+                  <a:pt x="3661621" y="196614"/>
+                </a:lnTo>
+                <a:cubicBezTo>
+                  <a:pt x="3856899" y="573253"/>
+                  <a:pt x="4021071" y="966066"/>
+                  <a:pt x="4161279" y="1371196"/>
+                </a:cubicBezTo>
+                <a:cubicBezTo>
+                  <a:pt x="4379525" y="2007265"/>
+                  <a:pt x="4530141" y="2664286"/>
+                  <a:pt x="4610660" y="3331516"/>
+                </a:cubicBezTo>
+                <a:cubicBezTo>
+                  <a:pt x="4652837" y="3672965"/>
+                  <a:pt x="4671625" y="4013908"/>
+                  <a:pt x="4645040" y="4357388"/>
+                </a:cubicBezTo>
+                <a:cubicBezTo>
+                  <a:pt x="4613599" y="4758899"/>
+                  <a:pt x="4566181" y="5157998"/>
+                  <a:pt x="4485789" y="5552906"/>
+                </a:cubicBezTo>
+                <a:cubicBezTo>
+                  <a:pt x="4397121" y="5988893"/>
+                  <a:pt x="4276748" y="6414594"/>
+                  <a:pt x="4117769" y="6828295"/>
+                </a:cubicBezTo>
+                <a:lnTo>
+                  <a:pt x="4105288" y="6858000"/>
+                </a:lnTo>
+                <a:lnTo>
+                  <a:pt x="4052520" y="6858000"/>
+                </a:lnTo>
+                <a:lnTo>
+                  <a:pt x="4059369" y="6841549"/>
+                </a:lnTo>
+                <a:cubicBezTo>
+                  <a:pt x="4147276" y="6614016"/>
+                  <a:pt x="4224193" y="6380817"/>
+                  <a:pt x="4291518" y="6142729"/>
+                </a:cubicBezTo>
+                <a:cubicBezTo>
+                  <a:pt x="4350055" y="5935370"/>
+                  <a:pt x="4393256" y="5723695"/>
+                  <a:pt x="4443357" y="5513923"/>
+                </a:cubicBezTo>
+                <a:cubicBezTo>
+                  <a:pt x="4444541" y="5502788"/>
+                  <a:pt x="4445137" y="5491601"/>
+                  <a:pt x="4445146" y="5480401"/>
+                </a:cubicBezTo>
+                <a:cubicBezTo>
+                  <a:pt x="4408465" y="5607635"/>
+                  <a:pt x="4379196" y="5719759"/>
+                  <a:pt x="4344559" y="5830359"/>
+                </a:cubicBezTo>
+                <a:cubicBezTo>
+                  <a:pt x="4254261" y="6118381"/>
+                  <a:pt x="4150112" y="6398531"/>
+                  <a:pt x="4031702" y="6670527"/>
+                </a:cubicBezTo>
+                <a:lnTo>
+                  <a:pt x="3943824" y="6858000"/>
+                </a:lnTo>
+                <a:lnTo>
+                  <a:pt x="0" y="6858000"/>
+                </a:lnTo>
+                <a:close/>
+              </a:path>
+            </a:pathLst>
+          </a:custGeom>
+        </p:spPr>
+      </p:pic>
+      <p:sp>
+        <p:nvSpPr>
+          <p:cNvPr id="11" name="sketchy line">
+            <a:extLst>
+              <a:ext uri="{FF2B5EF4-FFF2-40B4-BE49-F238E27FC236}">
+                <a16:creationId xmlns:a16="http://schemas.microsoft.com/office/drawing/2014/main" id="{21540236-BFD5-4A9D-8840-4703E7F76825}"/>
+              </a:ext>
+              <a:ext uri="{C183D7F6-B498-43B3-948B-1728B52AA6E4}">
+                <adec:decorative xmlns:adec="http://schemas.microsoft.com/office/drawing/2017/decorative" val="1"/>
+              </a:ext>
+            </a:extLst>
+          </p:cNvPr>
+          <p:cNvSpPr>
+            <a:spLocks noGrp="1" noRot="1" noChangeAspect="1" noMove="1" noResize="1" noEditPoints="1" noAdjustHandles="1" noChangeArrowheads="1" noChangeShapeType="1" noTextEdit="1"/>
+          </p:cNvSpPr>
+          <p:nvPr>
+            <p:extLst>
+              <p:ext uri="{386F3935-93C4-4BCD-93E2-E3B085C9AB24}">
+                <p16:designElem xmlns:p16="http://schemas.microsoft.com/office/powerpoint/2015/main" val="1"/>
+              </p:ext>
+            </p:extLst>
+          </p:nvPr>
+        </p:nvSpPr>
+        <p:spPr>
+          <a:xfrm>
+            <a:off x="5297762" y="2374947"/>
+            <a:ext cx="4243589" cy="18288"/>
+          </a:xfrm>
+          <a:custGeom>
+            <a:avLst/>
+            <a:gdLst>
+              <a:gd name="connsiteX0" fmla="*/ 0 w 4243589"/>
+              <a:gd name="connsiteY0" fmla="*/ 0 h 18288"/>
+              <a:gd name="connsiteX1" fmla="*/ 478919 w 4243589"/>
+              <a:gd name="connsiteY1" fmla="*/ 0 h 18288"/>
+              <a:gd name="connsiteX2" fmla="*/ 957839 w 4243589"/>
+              <a:gd name="connsiteY2" fmla="*/ 0 h 18288"/>
+              <a:gd name="connsiteX3" fmla="*/ 1521630 w 4243589"/>
+              <a:gd name="connsiteY3" fmla="*/ 0 h 18288"/>
+              <a:gd name="connsiteX4" fmla="*/ 2212729 w 4243589"/>
+              <a:gd name="connsiteY4" fmla="*/ 0 h 18288"/>
+              <a:gd name="connsiteX5" fmla="*/ 2734084 w 4243589"/>
+              <a:gd name="connsiteY5" fmla="*/ 0 h 18288"/>
+              <a:gd name="connsiteX6" fmla="*/ 3255439 w 4243589"/>
+              <a:gd name="connsiteY6" fmla="*/ 0 h 18288"/>
+              <a:gd name="connsiteX7" fmla="*/ 4243589 w 4243589"/>
+              <a:gd name="connsiteY7" fmla="*/ 0 h 18288"/>
+              <a:gd name="connsiteX8" fmla="*/ 4243589 w 4243589"/>
+              <a:gd name="connsiteY8" fmla="*/ 18288 h 18288"/>
+              <a:gd name="connsiteX9" fmla="*/ 3594926 w 4243589"/>
+              <a:gd name="connsiteY9" fmla="*/ 18288 h 18288"/>
+              <a:gd name="connsiteX10" fmla="*/ 3073571 w 4243589"/>
+              <a:gd name="connsiteY10" fmla="*/ 18288 h 18288"/>
+              <a:gd name="connsiteX11" fmla="*/ 2552216 w 4243589"/>
+              <a:gd name="connsiteY11" fmla="*/ 18288 h 18288"/>
+              <a:gd name="connsiteX12" fmla="*/ 1903553 w 4243589"/>
+              <a:gd name="connsiteY12" fmla="*/ 18288 h 18288"/>
+              <a:gd name="connsiteX13" fmla="*/ 1212454 w 4243589"/>
+              <a:gd name="connsiteY13" fmla="*/ 18288 h 18288"/>
+              <a:gd name="connsiteX14" fmla="*/ 733535 w 4243589"/>
+              <a:gd name="connsiteY14" fmla="*/ 18288 h 18288"/>
+              <a:gd name="connsiteX15" fmla="*/ 0 w 4243589"/>
+              <a:gd name="connsiteY15" fmla="*/ 18288 h 18288"/>
+              <a:gd name="connsiteX16" fmla="*/ 0 w 4243589"/>
+              <a:gd name="connsiteY16" fmla="*/ 0 h 18288"/>
+            </a:gdLst>
+            <a:ahLst/>
+            <a:cxnLst>
+              <a:cxn ang="0">
+                <a:pos x="connsiteX0" y="connsiteY0"/>
+              </a:cxn>
+              <a:cxn ang="0">
+                <a:pos x="connsiteX1" y="connsiteY1"/>
+              </a:cxn>
+              <a:cxn ang="0">
+                <a:pos x="connsiteX2" y="connsiteY2"/>
+              </a:cxn>
+              <a:cxn ang="0">
+                <a:pos x="connsiteX3" y="connsiteY3"/>
+              </a:cxn>
+              <a:cxn ang="0">
+                <a:pos x="connsiteX4" y="connsiteY4"/>
+              </a:cxn>
+              <a:cxn ang="0">
+                <a:pos x="connsiteX5" y="connsiteY5"/>
+              </a:cxn>
+              <a:cxn ang="0">
+                <a:pos x="connsiteX6" y="connsiteY6"/>
+              </a:cxn>
+              <a:cxn ang="0">
+                <a:pos x="connsiteX7" y="connsiteY7"/>
+              </a:cxn>
+              <a:cxn ang="0">
+                <a:pos x="connsiteX8" y="connsiteY8"/>
+              </a:cxn>
+              <a:cxn ang="0">
+                <a:pos x="connsiteX9" y="connsiteY9"/>
+              </a:cxn>
+              <a:cxn ang="0">
+                <a:pos x="connsiteX10" y="connsiteY10"/>
+              </a:cxn>
+              <a:cxn ang="0">
+                <a:pos x="connsiteX11" y="connsiteY11"/>
+              </a:cxn>
+              <a:cxn ang="0">
+                <a:pos x="connsiteX12" y="connsiteY12"/>
+              </a:cxn>
+              <a:cxn ang="0">
+                <a:pos x="connsiteX13" y="connsiteY13"/>
+              </a:cxn>
+              <a:cxn ang="0">
+                <a:pos x="connsiteX14" y="connsiteY14"/>
+              </a:cxn>
+              <a:cxn ang="0">
+                <a:pos x="connsiteX15" y="connsiteY15"/>
+              </a:cxn>
+              <a:cxn ang="0">
+                <a:pos x="connsiteX16" y="connsiteY16"/>
+              </a:cxn>
+            </a:cxnLst>
+            <a:rect l="l" t="t" r="r" b="b"/>
+            <a:pathLst>
+              <a:path w="4243589" h="18288" fill="none" extrusionOk="0">
+                <a:moveTo>
+                  <a:pt x="0" y="0"/>
+                </a:moveTo>
+                <a:cubicBezTo>
+                  <a:pt x="213395" y="-21006"/>
+                  <a:pt x="307421" y="-18116"/>
+                  <a:pt x="478919" y="0"/>
+                </a:cubicBezTo>
+                <a:cubicBezTo>
+                  <a:pt x="650417" y="18116"/>
+                  <a:pt x="831092" y="-21237"/>
+                  <a:pt x="957839" y="0"/>
+                </a:cubicBezTo>
+                <a:cubicBezTo>
+                  <a:pt x="1084586" y="21237"/>
+                  <a:pt x="1301682" y="25124"/>
+                  <a:pt x="1521630" y="0"/>
+                </a:cubicBezTo>
+                <a:cubicBezTo>
+                  <a:pt x="1741578" y="-25124"/>
+                  <a:pt x="1970269" y="-29139"/>
+                  <a:pt x="2212729" y="0"/>
+                </a:cubicBezTo>
+                <a:cubicBezTo>
+                  <a:pt x="2455189" y="29139"/>
+                  <a:pt x="2558847" y="-4796"/>
+                  <a:pt x="2734084" y="0"/>
+                </a:cubicBezTo>
+                <a:cubicBezTo>
+                  <a:pt x="2909321" y="4796"/>
+                  <a:pt x="3097217" y="-13409"/>
+                  <a:pt x="3255439" y="0"/>
+                </a:cubicBezTo>
+                <a:cubicBezTo>
+                  <a:pt x="3413662" y="13409"/>
+                  <a:pt x="3979999" y="-10121"/>
+                  <a:pt x="4243589" y="0"/>
+                </a:cubicBezTo>
+                <a:cubicBezTo>
+                  <a:pt x="4244484" y="8974"/>
+                  <a:pt x="4243043" y="9359"/>
+                  <a:pt x="4243589" y="18288"/>
+                </a:cubicBezTo>
+                <a:cubicBezTo>
+                  <a:pt x="4058777" y="31246"/>
+                  <a:pt x="3910348" y="3158"/>
+                  <a:pt x="3594926" y="18288"/>
+                </a:cubicBezTo>
+                <a:cubicBezTo>
+                  <a:pt x="3279504" y="33418"/>
+                  <a:pt x="3319955" y="-3977"/>
+                  <a:pt x="3073571" y="18288"/>
+                </a:cubicBezTo>
+                <a:cubicBezTo>
+                  <a:pt x="2827187" y="40553"/>
+                  <a:pt x="2767387" y="1863"/>
+                  <a:pt x="2552216" y="18288"/>
+                </a:cubicBezTo>
+                <a:cubicBezTo>
+                  <a:pt x="2337046" y="34713"/>
+                  <a:pt x="2181871" y="19527"/>
+                  <a:pt x="1903553" y="18288"/>
+                </a:cubicBezTo>
+                <a:cubicBezTo>
+                  <a:pt x="1625235" y="17049"/>
+                  <a:pt x="1557672" y="24174"/>
+                  <a:pt x="1212454" y="18288"/>
+                </a:cubicBezTo>
+                <a:cubicBezTo>
+                  <a:pt x="867236" y="12402"/>
+                  <a:pt x="874382" y="15627"/>
+                  <a:pt x="733535" y="18288"/>
+                </a:cubicBezTo>
+                <a:cubicBezTo>
+                  <a:pt x="592688" y="20949"/>
+                  <a:pt x="183477" y="14753"/>
+                  <a:pt x="0" y="18288"/>
+                </a:cubicBezTo>
+                <a:cubicBezTo>
+                  <a:pt x="-229" y="14222"/>
+                  <a:pt x="509" y="5816"/>
+                  <a:pt x="0" y="0"/>
+                </a:cubicBezTo>
+                <a:close/>
+              </a:path>
+              <a:path w="4243589" h="18288" stroke="0" extrusionOk="0">
+                <a:moveTo>
+                  <a:pt x="0" y="0"/>
+                </a:moveTo>
+                <a:cubicBezTo>
+                  <a:pt x="143690" y="16630"/>
+                  <a:pt x="266667" y="14847"/>
+                  <a:pt x="521355" y="0"/>
+                </a:cubicBezTo>
+                <a:cubicBezTo>
+                  <a:pt x="776043" y="-14847"/>
+                  <a:pt x="814491" y="-17363"/>
+                  <a:pt x="1000275" y="0"/>
+                </a:cubicBezTo>
+                <a:cubicBezTo>
+                  <a:pt x="1186059" y="17363"/>
+                  <a:pt x="1352504" y="-23507"/>
+                  <a:pt x="1521630" y="0"/>
+                </a:cubicBezTo>
+                <a:cubicBezTo>
+                  <a:pt x="1690756" y="23507"/>
+                  <a:pt x="1889525" y="5871"/>
+                  <a:pt x="2127857" y="0"/>
+                </a:cubicBezTo>
+                <a:cubicBezTo>
+                  <a:pt x="2366189" y="-5871"/>
+                  <a:pt x="2620628" y="-27997"/>
+                  <a:pt x="2776520" y="0"/>
+                </a:cubicBezTo>
+                <a:cubicBezTo>
+                  <a:pt x="2932412" y="27997"/>
+                  <a:pt x="3131683" y="-25073"/>
+                  <a:pt x="3467618" y="0"/>
+                </a:cubicBezTo>
+                <a:cubicBezTo>
+                  <a:pt x="3803553" y="25073"/>
+                  <a:pt x="4017371" y="3071"/>
+                  <a:pt x="4243589" y="0"/>
+                </a:cubicBezTo>
+                <a:cubicBezTo>
+                  <a:pt x="4243134" y="6162"/>
+                  <a:pt x="4243492" y="11775"/>
+                  <a:pt x="4243589" y="18288"/>
+                </a:cubicBezTo>
+                <a:cubicBezTo>
+                  <a:pt x="4017834" y="-5779"/>
+                  <a:pt x="3834586" y="13376"/>
+                  <a:pt x="3594926" y="18288"/>
+                </a:cubicBezTo>
+                <a:cubicBezTo>
+                  <a:pt x="3355266" y="23200"/>
+                  <a:pt x="3204179" y="2869"/>
+                  <a:pt x="2903827" y="18288"/>
+                </a:cubicBezTo>
+                <a:cubicBezTo>
+                  <a:pt x="2603475" y="33707"/>
+                  <a:pt x="2526187" y="46187"/>
+                  <a:pt x="2212729" y="18288"/>
+                </a:cubicBezTo>
+                <a:cubicBezTo>
+                  <a:pt x="1899271" y="-9611"/>
+                  <a:pt x="1966289" y="29692"/>
+                  <a:pt x="1733809" y="18288"/>
+                </a:cubicBezTo>
+                <a:cubicBezTo>
+                  <a:pt x="1501329" y="6884"/>
+                  <a:pt x="1343612" y="12492"/>
+                  <a:pt x="1085146" y="18288"/>
+                </a:cubicBezTo>
+                <a:cubicBezTo>
+                  <a:pt x="826680" y="24084"/>
+                  <a:pt x="778184" y="35607"/>
+                  <a:pt x="521355" y="18288"/>
+                </a:cubicBezTo>
+                <a:cubicBezTo>
+                  <a:pt x="264526" y="969"/>
+                  <a:pt x="120277" y="4268"/>
+                  <a:pt x="0" y="18288"/>
+                </a:cubicBezTo>
+                <a:cubicBezTo>
+                  <a:pt x="766" y="10800"/>
+                  <a:pt x="-457" y="8180"/>
+                  <a:pt x="0" y="0"/>
+                </a:cubicBezTo>
+                <a:close/>
+              </a:path>
+            </a:pathLst>
+          </a:custGeom>
+          <a:solidFill>
+            <a:schemeClr val="accent2"/>
+          </a:solidFill>
+          <a:ln w="44450" cap="rnd">
+            <a:solidFill>
+              <a:schemeClr val="accent2"/>
+            </a:solidFill>
+            <a:round/>
+            <a:extLst>
+              <a:ext uri="{C807C97D-BFC1-408E-A445-0C87EB9F89A2}">
+                <ask:lineSketchStyleProps xmlns:ask="http://schemas.microsoft.com/office/drawing/2018/sketchyshapes" sd="2727557108">
+                  <a:prstGeom prst="rect">
+                    <a:avLst/>
+                  </a:prstGeom>
+                  <ask:type>
+                    <ask:lineSketchFreehand/>
+                  </ask:type>
+                </ask:lineSketchStyleProps>
+              </a:ext>
+            </a:extLst>
+          </a:ln>
+        </p:spPr>
+        <p:style>
+          <a:lnRef idx="2">
+            <a:schemeClr val="accent1">
+              <a:shade val="50000"/>
+            </a:schemeClr>
+          </a:lnRef>
+          <a:fillRef idx="1">
+            <a:schemeClr val="accent1"/>
+          </a:fillRef>
+          <a:effectRef idx="0">
+            <a:schemeClr val="accent1"/>
+          </a:effectRef>
+          <a:fontRef idx="minor">
+            <a:schemeClr val="lt1"/>
+          </a:fontRef>
+        </p:style>
+        <p:txBody>
+          <a:bodyPr rtlCol="0" anchor="ctr"/>
+          <a:lstStyle/>
+          <a:p>
+            <a:pPr algn="ctr"/>
+            <a:endParaRPr lang="en-US"/>
+          </a:p>
+        </p:txBody>
+      </p:sp>
+      <p:sp>
+        <p:nvSpPr>
+          <p:cNvPr id="3" name="Content Placeholder 2">
+            <a:extLst>
+              <a:ext uri="{FF2B5EF4-FFF2-40B4-BE49-F238E27FC236}">
+                <a16:creationId xmlns:a16="http://schemas.microsoft.com/office/drawing/2014/main" id="{BACD23B5-BD31-BE76-0346-1EF225ACF570}"/>
+              </a:ext>
+            </a:extLst>
+          </p:cNvPr>
+          <p:cNvSpPr>
+            <a:spLocks noGrp="1"/>
+          </p:cNvSpPr>
+          <p:nvPr>
+            <p:ph idx="1"/>
+          </p:nvPr>
+        </p:nvSpPr>
+        <p:spPr>
+          <a:xfrm>
+            <a:off x="5297762" y="2706624"/>
+            <a:ext cx="6251110" cy="3483864"/>
+          </a:xfrm>
+        </p:spPr>
+        <p:txBody>
+          <a:bodyPr>
+            <a:normAutofit/>
+          </a:bodyPr>
+          <a:lstStyle/>
+          <a:p>
+            <a:r>
+              <a:rPr lang="en-IL" sz="2200" dirty="0"/>
+              <a:t>Debian server, DNS management</a:t>
+            </a:r>
+          </a:p>
+          <a:p>
+            <a:r>
+              <a:rPr lang="en-IL" sz="2200" dirty="0"/>
+              <a:t>JWT, bcrypt.js, multer, nodemailer</a:t>
+            </a:r>
+          </a:p>
+          <a:p>
+            <a:r>
+              <a:rPr lang="en-IL" sz="2200" dirty="0"/>
+              <a:t>MERN STACK</a:t>
+            </a:r>
+          </a:p>
+          <a:p>
+            <a:r>
+              <a:rPr lang="en-IL" sz="2200" dirty="0"/>
+              <a:t>Sharp module</a:t>
+            </a:r>
+          </a:p>
+        </p:txBody>
+      </p:sp>
+    </p:spTree>
+    <p:extLst>
+      <p:ext uri="{BB962C8B-B14F-4D97-AF65-F5344CB8AC3E}">
+        <p14:creationId xmlns:p14="http://schemas.microsoft.com/office/powerpoint/2010/main" val="2918264398"/>
+      </p:ext>
+    </p:extLst>
+  </p:cSld>
+  <p:clrMapOvr>
+    <a:masterClrMapping/>
+  </p:clrMapOvr>
+</p:sld>
+</file>
+
+<file path=ppt/slides/slide7.xml><?xml version="1.0" encoding="utf-8"?>
 <p:sld xmlns:a="http://schemas.openxmlformats.org/drawingml/2006/main" xmlns:r="http://schemas.openxmlformats.org/officeDocument/2006/relationships" xmlns:p="http://schemas.openxmlformats.org/presentationml/2006/main">
   <p:cSld>
     <p:bg>

--- a/Presentation.pptx
+++ b/Presentation.pptx
@@ -6392,7 +6392,7 @@
         </p:spPr>
         <p:txBody>
           <a:bodyPr>
-            <a:normAutofit fontScale="92500" lnSpcReduction="10000"/>
+            <a:normAutofit fontScale="92500" lnSpcReduction="20000"/>
           </a:bodyPr>
           <a:lstStyle/>
           <a:p>
@@ -6429,6 +6429,12 @@
             <a:r>
               <a:rPr lang="en-IL" sz="2000" dirty="0"/>
               <a:t>Server to send constants and settings to the client</a:t>
+            </a:r>
+          </a:p>
+          <a:p>
+            <a:r>
+              <a:rPr lang="en-IL" sz="2000" dirty="0"/>
+              <a:t>Words filtering with JS module / AI</a:t>
             </a:r>
           </a:p>
         </p:txBody>
